--- a/Presentation/Selected2 Presentation.pptx
+++ b/Presentation/Selected2 Presentation.pptx
@@ -920,7 +920,7 @@
         <a:lstStyle/>
         <a:p>
           <a:r>
-            <a:rPr lang="en-US"/>
+            <a:rPr lang="en-US" dirty="0"/>
             <a:t>Then we built the CNN model just as the paper with the same dataflow : 3 Conv. Layers with average pooling layers in between them and after the last conv layer, Flatten the matrix, and one fully connected layer before the output layer.</a:t>
           </a:r>
         </a:p>
@@ -1308,7 +1308,7 @@
             <a:buNone/>
           </a:pPr>
           <a:r>
-            <a:rPr lang="en-US" sz="2400" kern="1200"/>
+            <a:rPr lang="en-US" sz="2400" kern="1200" dirty="0"/>
             <a:t>Then we built the CNN model just as the paper with the same dataflow : 3 Conv. Layers with average pooling layers in between them and after the last conv layer, Flatten the matrix, and one fully connected layer before the output layer.</a:t>
           </a:r>
         </a:p>
@@ -3095,7 +3095,7 @@
           <a:p>
             <a:fld id="{AD017011-F0A8-4BA6-8C48-42CB455654A0}" type="datetimeFigureOut">
               <a:rPr lang="en-US" smtClean="0"/>
-              <a:t>5/18/2022</a:t>
+              <a:t>5/21/2022</a:t>
             </a:fld>
             <a:endParaRPr lang="en-US"/>
           </a:p>
@@ -3293,7 +3293,7 @@
           <a:p>
             <a:fld id="{AD017011-F0A8-4BA6-8C48-42CB455654A0}" type="datetimeFigureOut">
               <a:rPr lang="en-US" smtClean="0"/>
-              <a:t>5/18/2022</a:t>
+              <a:t>5/21/2022</a:t>
             </a:fld>
             <a:endParaRPr lang="en-US"/>
           </a:p>
@@ -3501,7 +3501,7 @@
           <a:p>
             <a:fld id="{AD017011-F0A8-4BA6-8C48-42CB455654A0}" type="datetimeFigureOut">
               <a:rPr lang="en-US" smtClean="0"/>
-              <a:t>5/18/2022</a:t>
+              <a:t>5/21/2022</a:t>
             </a:fld>
             <a:endParaRPr lang="en-US"/>
           </a:p>
@@ -3699,7 +3699,7 @@
           <a:p>
             <a:fld id="{AD017011-F0A8-4BA6-8C48-42CB455654A0}" type="datetimeFigureOut">
               <a:rPr lang="en-US" smtClean="0"/>
-              <a:t>5/18/2022</a:t>
+              <a:t>5/21/2022</a:t>
             </a:fld>
             <a:endParaRPr lang="en-US"/>
           </a:p>
@@ -3974,7 +3974,7 @@
           <a:p>
             <a:fld id="{AD017011-F0A8-4BA6-8C48-42CB455654A0}" type="datetimeFigureOut">
               <a:rPr lang="en-US" smtClean="0"/>
-              <a:t>5/18/2022</a:t>
+              <a:t>5/21/2022</a:t>
             </a:fld>
             <a:endParaRPr lang="en-US"/>
           </a:p>
@@ -4239,7 +4239,7 @@
           <a:p>
             <a:fld id="{AD017011-F0A8-4BA6-8C48-42CB455654A0}" type="datetimeFigureOut">
               <a:rPr lang="en-US" smtClean="0"/>
-              <a:t>5/18/2022</a:t>
+              <a:t>5/21/2022</a:t>
             </a:fld>
             <a:endParaRPr lang="en-US"/>
           </a:p>
@@ -4651,7 +4651,7 @@
           <a:p>
             <a:fld id="{AD017011-F0A8-4BA6-8C48-42CB455654A0}" type="datetimeFigureOut">
               <a:rPr lang="en-US" smtClean="0"/>
-              <a:t>5/18/2022</a:t>
+              <a:t>5/21/2022</a:t>
             </a:fld>
             <a:endParaRPr lang="en-US"/>
           </a:p>
@@ -4792,7 +4792,7 @@
           <a:p>
             <a:fld id="{AD017011-F0A8-4BA6-8C48-42CB455654A0}" type="datetimeFigureOut">
               <a:rPr lang="en-US" smtClean="0"/>
-              <a:t>5/18/2022</a:t>
+              <a:t>5/21/2022</a:t>
             </a:fld>
             <a:endParaRPr lang="en-US"/>
           </a:p>
@@ -4905,7 +4905,7 @@
           <a:p>
             <a:fld id="{AD017011-F0A8-4BA6-8C48-42CB455654A0}" type="datetimeFigureOut">
               <a:rPr lang="en-US" smtClean="0"/>
-              <a:t>5/18/2022</a:t>
+              <a:t>5/21/2022</a:t>
             </a:fld>
             <a:endParaRPr lang="en-US"/>
           </a:p>
@@ -5216,7 +5216,7 @@
           <a:p>
             <a:fld id="{AD017011-F0A8-4BA6-8C48-42CB455654A0}" type="datetimeFigureOut">
               <a:rPr lang="en-US" smtClean="0"/>
-              <a:t>5/18/2022</a:t>
+              <a:t>5/21/2022</a:t>
             </a:fld>
             <a:endParaRPr lang="en-US"/>
           </a:p>
@@ -5504,7 +5504,7 @@
           <a:p>
             <a:fld id="{AD017011-F0A8-4BA6-8C48-42CB455654A0}" type="datetimeFigureOut">
               <a:rPr lang="en-US" smtClean="0"/>
-              <a:t>5/18/2022</a:t>
+              <a:t>5/21/2022</a:t>
             </a:fld>
             <a:endParaRPr lang="en-US"/>
           </a:p>
@@ -5745,7 +5745,7 @@
           <a:p>
             <a:fld id="{AD017011-F0A8-4BA6-8C48-42CB455654A0}" type="datetimeFigureOut">
               <a:rPr lang="en-US" smtClean="0"/>
-              <a:t>5/18/2022</a:t>
+              <a:t>5/21/2022</a:t>
             </a:fld>
             <a:endParaRPr lang="en-US"/>
           </a:p>
@@ -6578,7 +6578,7 @@
               <a:buChar char="•"/>
             </a:pPr>
             <a:r>
-              <a:rPr lang="en-US" sz="1700"/>
+              <a:rPr lang="en-US" sz="1700" dirty="0"/>
               <a:t>The architecture used in the paper is to build 3 Convolutional layers each with a different dataflow </a:t>
             </a:r>
           </a:p>
@@ -6588,8 +6588,16 @@
               <a:buChar char="•"/>
             </a:pPr>
             <a:r>
-              <a:rPr lang="en-US" sz="1700"/>
-              <a:t> then the result sent to the non-linear activation function (relu) </a:t>
+              <a:rPr lang="en-US" sz="1700" dirty="0"/>
+              <a:t> then the result sent to the non-linear activation function (</a:t>
+            </a:r>
+            <a:r>
+              <a:rPr lang="en-US" sz="1700" dirty="0" err="1"/>
+              <a:t>relu</a:t>
+            </a:r>
+            <a:r>
+              <a:rPr lang="en-US" sz="1700" dirty="0"/>
+              <a:t>) </a:t>
             </a:r>
           </a:p>
           <a:p>
@@ -6598,7 +6606,7 @@
               <a:buChar char="•"/>
             </a:pPr>
             <a:r>
-              <a:rPr lang="en-US" sz="1700"/>
+              <a:rPr lang="en-US" sz="1700" dirty="0"/>
               <a:t>pooling layers in between the conv. Layers to reduce the dimension of the matrix and increase the efficiency of the feature extraction.</a:t>
             </a:r>
           </a:p>
@@ -6608,7 +6616,7 @@
               <a:buChar char="•"/>
             </a:pPr>
             <a:r>
-              <a:rPr lang="en-US" sz="1700"/>
+              <a:rPr lang="en-US" sz="1700" dirty="0"/>
               <a:t>Then to the fully-connected layer to combine all the features detected from the input image.</a:t>
             </a:r>
           </a:p>
@@ -6618,7 +6626,7 @@
               <a:buChar char="•"/>
             </a:pPr>
             <a:r>
-              <a:rPr lang="en-US" sz="1700"/>
+              <a:rPr lang="en-US" sz="1700" dirty="0"/>
               <a:t>then the whole matrix was flattening and gives the output in one of the classes.</a:t>
             </a:r>
           </a:p>
@@ -7458,7 +7466,7 @@
               <a:t>The dataset chosen for our project was </a:t>
             </a:r>
             <a:r>
-              <a:rPr lang="en-US" sz="2200"/>
+              <a:rPr lang="en-US" sz="2200" dirty="0" err="1"/>
               <a:t>Mnist_corrupted</a:t>
             </a:r>
             <a:r>
@@ -7468,7 +7476,7 @@
           </a:p>
           <a:p>
             <a:r>
-              <a:rPr lang="en-US" sz="2200"/>
+              <a:rPr lang="en-US" sz="2200" dirty="0" err="1"/>
               <a:t>MNISTCorrupted</a:t>
             </a:r>
             <a:r>
